--- a/documento/Presentación1.pptx
+++ b/documento/Presentación1.pptx
@@ -5,10 +5,10 @@
     <p:sldMasterId id="2147483648" r:id="rId4"/>
   </p:sldMasterIdLst>
   <p:notesMasterIdLst>
-    <p:notesMasterId r:id="rId17"/>
+    <p:notesMasterId r:id="rId18"/>
   </p:notesMasterIdLst>
   <p:handoutMasterIdLst>
-    <p:handoutMasterId r:id="rId18"/>
+    <p:handoutMasterId r:id="rId19"/>
   </p:handoutMasterIdLst>
   <p:sldIdLst>
     <p:sldId id="292" r:id="rId5"/>
@@ -21,8 +21,9 @@
     <p:sldId id="293" r:id="rId12"/>
     <p:sldId id="300" r:id="rId13"/>
     <p:sldId id="295" r:id="rId14"/>
-    <p:sldId id="302" r:id="rId15"/>
-    <p:sldId id="289" r:id="rId16"/>
+    <p:sldId id="303" r:id="rId15"/>
+    <p:sldId id="302" r:id="rId16"/>
+    <p:sldId id="289" r:id="rId17"/>
   </p:sldIdLst>
   <p:sldSz cx="12192000" cy="6858000"/>
   <p:notesSz cx="6858000" cy="9144000"/>
@@ -1244,7 +1245,7 @@
           <a:p>
             <a:fld id="{017105BD-6D6F-49DB-9DE4-D4A6452D7E5F}" type="slidenum">
               <a:rPr lang="en-US" altLang="zh-CN" noProof="0" smtClean="0"/>
-              <a:t>12</a:t>
+              <a:t>13</a:t>
             </a:fld>
             <a:endParaRPr lang="en-US" altLang="zh-CN" noProof="0" dirty="0"/>
           </a:p>
@@ -14502,6 +14503,231 @@
           <p:cNvPr id="2" name="Título 1">
             <a:extLst>
               <a:ext uri="{FF2B5EF4-FFF2-40B4-BE49-F238E27FC236}">
+                <a16:creationId xmlns:a16="http://schemas.microsoft.com/office/drawing/2014/main" id="{04E095C3-D1CF-23E7-A21A-565E1F7B2237}"/>
+              </a:ext>
+            </a:extLst>
+          </p:cNvPr>
+          <p:cNvSpPr>
+            <a:spLocks noGrp="1"/>
+          </p:cNvSpPr>
+          <p:nvPr>
+            <p:ph type="title"/>
+          </p:nvPr>
+        </p:nvSpPr>
+        <p:spPr>
+          <a:xfrm>
+            <a:off x="3008376" y="1408811"/>
+            <a:ext cx="7955280" cy="740029"/>
+          </a:xfrm>
+        </p:spPr>
+        <p:txBody>
+          <a:bodyPr/>
+          <a:lstStyle/>
+          <a:p>
+            <a:r>
+              <a:rPr lang="es-ES" dirty="0" err="1"/>
+              <a:t>Tecnologias</a:t>
+            </a:r>
+            <a:r>
+              <a:rPr lang="es-ES" dirty="0"/>
+              <a:t> y herramientas</a:t>
+            </a:r>
+            <a:endParaRPr lang="en-AU" dirty="0"/>
+          </a:p>
+        </p:txBody>
+      </p:sp>
+      <p:sp>
+        <p:nvSpPr>
+          <p:cNvPr id="3" name="Marcador de contenido 2">
+            <a:extLst>
+              <a:ext uri="{FF2B5EF4-FFF2-40B4-BE49-F238E27FC236}">
+                <a16:creationId xmlns:a16="http://schemas.microsoft.com/office/drawing/2014/main" id="{B6F6CD16-27CE-2A66-DD81-7FAB2F904DC7}"/>
+              </a:ext>
+            </a:extLst>
+          </p:cNvPr>
+          <p:cNvSpPr>
+            <a:spLocks noGrp="1"/>
+          </p:cNvSpPr>
+          <p:nvPr>
+            <p:ph idx="14"/>
+          </p:nvPr>
+        </p:nvSpPr>
+        <p:spPr>
+          <a:xfrm>
+            <a:off x="3252216" y="2971800"/>
+            <a:ext cx="4572000" cy="2712720"/>
+          </a:xfrm>
+        </p:spPr>
+        <p:txBody>
+          <a:bodyPr>
+            <a:normAutofit/>
+          </a:bodyPr>
+          <a:lstStyle/>
+          <a:p>
+            <a:pPr marL="0" indent="0">
+              <a:buNone/>
+            </a:pPr>
+            <a:r>
+              <a:rPr lang="es-ES" sz="2000" dirty="0"/>
+              <a:t>TECNOLOGIAS</a:t>
+            </a:r>
+          </a:p>
+          <a:p>
+            <a:pPr marL="0" indent="0">
+              <a:buNone/>
+            </a:pPr>
+            <a:r>
+              <a:rPr lang="en-US" sz="1800" kern="100" dirty="0">
+                <a:effectLst/>
+                <a:latin typeface="Times New Roman" panose="02020603050405020304" pitchFamily="18" charset="0"/>
+                <a:ea typeface="Calibri" panose="020F0502020204030204" pitchFamily="34" charset="0"/>
+                <a:cs typeface="Times New Roman" panose="02020603050405020304" pitchFamily="18" charset="0"/>
+              </a:rPr>
+              <a:t>JS, HTML, CSS, BOOTSTRAP, PHP, SWEETALERT, CHART.JS, SQL</a:t>
+            </a:r>
+            <a:endParaRPr lang="en-AU" sz="1800" kern="100" dirty="0">
+              <a:effectLst/>
+              <a:latin typeface="Calibri" panose="020F0502020204030204" pitchFamily="34" charset="0"/>
+              <a:ea typeface="Calibri" panose="020F0502020204030204" pitchFamily="34" charset="0"/>
+              <a:cs typeface="Times New Roman" panose="02020603050405020304" pitchFamily="18" charset="0"/>
+            </a:endParaRPr>
+          </a:p>
+          <a:p>
+            <a:pPr marL="0" indent="0">
+              <a:buNone/>
+            </a:pPr>
+            <a:endParaRPr lang="es-ES" sz="2000" dirty="0"/>
+          </a:p>
+          <a:p>
+            <a:pPr marL="0" indent="0">
+              <a:buNone/>
+            </a:pPr>
+            <a:endParaRPr lang="en-AU" sz="2000" dirty="0"/>
+          </a:p>
+        </p:txBody>
+      </p:sp>
+      <p:sp>
+        <p:nvSpPr>
+          <p:cNvPr id="4" name="Marcador de contenido 3">
+            <a:extLst>
+              <a:ext uri="{FF2B5EF4-FFF2-40B4-BE49-F238E27FC236}">
+                <a16:creationId xmlns:a16="http://schemas.microsoft.com/office/drawing/2014/main" id="{83D3C655-809D-5A67-FB7F-60C03188774C}"/>
+              </a:ext>
+            </a:extLst>
+          </p:cNvPr>
+          <p:cNvSpPr>
+            <a:spLocks noGrp="1"/>
+          </p:cNvSpPr>
+          <p:nvPr>
+            <p:ph idx="1"/>
+          </p:nvPr>
+        </p:nvSpPr>
+        <p:spPr>
+          <a:xfrm>
+            <a:off x="7824216" y="2971800"/>
+            <a:ext cx="3642360" cy="2477389"/>
+          </a:xfrm>
+        </p:spPr>
+        <p:txBody>
+          <a:bodyPr/>
+          <a:lstStyle/>
+          <a:p>
+            <a:r>
+              <a:rPr lang="es-ES" dirty="0"/>
+              <a:t>             </a:t>
+            </a:r>
+            <a:r>
+              <a:rPr lang="es-ES" sz="2400" dirty="0"/>
+              <a:t>HERRMIENTAS</a:t>
+            </a:r>
+          </a:p>
+          <a:p>
+            <a:r>
+              <a:rPr lang="es-MX" sz="1800" kern="100" dirty="0">
+                <a:effectLst/>
+                <a:latin typeface="Times New Roman" panose="02020603050405020304" pitchFamily="18" charset="0"/>
+                <a:ea typeface="Calibri" panose="020F0502020204030204" pitchFamily="34" charset="0"/>
+                <a:cs typeface="Times New Roman" panose="02020603050405020304" pitchFamily="18" charset="0"/>
+              </a:rPr>
+              <a:t>VISUAL ESTUDIO CODE, LA COMPUTADORA, DRAW, WORD, POWER POINT , VICIO, XAMPP</a:t>
+            </a:r>
+            <a:endParaRPr lang="en-AU" sz="1800" kern="100" dirty="0">
+              <a:effectLst/>
+              <a:latin typeface="Calibri" panose="020F0502020204030204" pitchFamily="34" charset="0"/>
+              <a:ea typeface="Calibri" panose="020F0502020204030204" pitchFamily="34" charset="0"/>
+              <a:cs typeface="Times New Roman" panose="02020603050405020304" pitchFamily="18" charset="0"/>
+            </a:endParaRPr>
+          </a:p>
+          <a:p>
+            <a:endParaRPr lang="en-AU" sz="2400" dirty="0"/>
+          </a:p>
+        </p:txBody>
+      </p:sp>
+      <p:sp>
+        <p:nvSpPr>
+          <p:cNvPr id="5" name="Marcador de número de diapositiva 4">
+            <a:extLst>
+              <a:ext uri="{FF2B5EF4-FFF2-40B4-BE49-F238E27FC236}">
+                <a16:creationId xmlns:a16="http://schemas.microsoft.com/office/drawing/2014/main" id="{60DC85B5-AE1E-0F03-E28D-6E29370E5849}"/>
+              </a:ext>
+            </a:extLst>
+          </p:cNvPr>
+          <p:cNvSpPr>
+            <a:spLocks noGrp="1"/>
+          </p:cNvSpPr>
+          <p:nvPr>
+            <p:ph type="sldNum" sz="quarter" idx="40"/>
+          </p:nvPr>
+        </p:nvSpPr>
+        <p:spPr/>
+        <p:txBody>
+          <a:bodyPr/>
+          <a:lstStyle/>
+          <a:p>
+            <a:fld id="{47FEACEE-25B4-4A2D-B147-27296E36371D}" type="slidenum">
+              <a:rPr lang="en-US" altLang="zh-CN" noProof="0" smtClean="0"/>
+              <a:pPr/>
+              <a:t>11</a:t>
+            </a:fld>
+            <a:endParaRPr lang="en-US" altLang="zh-CN" noProof="0" dirty="0"/>
+          </a:p>
+        </p:txBody>
+      </p:sp>
+    </p:spTree>
+    <p:extLst>
+      <p:ext uri="{BB962C8B-B14F-4D97-AF65-F5344CB8AC3E}">
+        <p14:creationId xmlns:p14="http://schemas.microsoft.com/office/powerpoint/2010/main" val="376874075"/>
+      </p:ext>
+    </p:extLst>
+  </p:cSld>
+  <p:clrMapOvr>
+    <a:masterClrMapping/>
+  </p:clrMapOvr>
+</p:sld>
+</file>
+
+<file path=ppt/slides/slide12.xml><?xml version="1.0" encoding="utf-8"?>
+<p:sld xmlns:a="http://schemas.openxmlformats.org/drawingml/2006/main" xmlns:r="http://schemas.openxmlformats.org/officeDocument/2006/relationships" xmlns:p="http://schemas.openxmlformats.org/presentationml/2006/main">
+  <p:cSld>
+    <p:spTree>
+      <p:nvGrpSpPr>
+        <p:cNvPr id="1" name=""/>
+        <p:cNvGrpSpPr/>
+        <p:nvPr/>
+      </p:nvGrpSpPr>
+      <p:grpSpPr>
+        <a:xfrm>
+          <a:off x="0" y="0"/>
+          <a:ext cx="0" cy="0"/>
+          <a:chOff x="0" y="0"/>
+          <a:chExt cx="0" cy="0"/>
+        </a:xfrm>
+      </p:grpSpPr>
+      <p:sp>
+        <p:nvSpPr>
+          <p:cNvPr id="2" name="Título 1">
+            <a:extLst>
+              <a:ext uri="{FF2B5EF4-FFF2-40B4-BE49-F238E27FC236}">
                 <a16:creationId xmlns:a16="http://schemas.microsoft.com/office/drawing/2014/main" id="{BD51D182-E981-B3A8-C9F5-1DC90AC7C296}"/>
               </a:ext>
             </a:extLst>
@@ -14515,8 +14741,8 @@
         </p:nvSpPr>
         <p:spPr>
           <a:xfrm>
-            <a:off x="2429256" y="4013898"/>
-            <a:ext cx="7955280" cy="1335024"/>
+            <a:off x="3468185" y="2103438"/>
+            <a:ext cx="7955280" cy="4114482"/>
           </a:xfrm>
         </p:spPr>
         <p:txBody>
@@ -14526,23 +14752,130 @@
           <a:lstStyle/>
           <a:p>
             <a:r>
-              <a:rPr lang="es-ES" b="1"/>
+              <a:rPr lang="es-ES" b="1" dirty="0"/>
               <a:t>Conclusión</a:t>
             </a:r>
             <a:br>
-              <a:rPr lang="es-ES" b="1"/>
+              <a:rPr lang="es-ES" b="1" dirty="0"/>
             </a:br>
             <a:br>
-              <a:rPr lang="es-ES" dirty="0"/>
+              <a:rPr lang="es-ES" dirty="0">
+                <a:latin typeface="Times New Roman" panose="02020603050405020304" pitchFamily="18" charset="0"/>
+                <a:cs typeface="Times New Roman" panose="02020603050405020304" pitchFamily="18" charset="0"/>
+              </a:rPr>
             </a:br>
             <a:r>
-              <a:rPr lang="es-ES" sz="2700" b="0" dirty="0"/>
-              <a:t>Nuestra página web está diseñada para brindarte toda la información y recursos necesarios sobre el tratamiento de la lepra. Aquí podrás encontrar detalles sobre los servicios médicos que ofrecemos, los tratamientos más efectivos y actualizados, así como información educativa que te ayudará a entender mejor esta enfermedad y cómo abordarla.</a:t>
+              <a:rPr lang="es-ES" sz="2700" b="0" dirty="0">
+                <a:latin typeface="Times New Roman" panose="02020603050405020304" pitchFamily="18" charset="0"/>
+                <a:cs typeface="Times New Roman" panose="02020603050405020304" pitchFamily="18" charset="0"/>
+              </a:rPr>
+              <a:t>Nuestra página web está diseñada para brindarte toda la</a:t>
             </a:r>
             <a:br>
-              <a:rPr lang="es-ES" dirty="0"/>
+              <a:rPr lang="es-ES" sz="2700" b="0" dirty="0">
+                <a:latin typeface="Times New Roman" panose="02020603050405020304" pitchFamily="18" charset="0"/>
+                <a:cs typeface="Times New Roman" panose="02020603050405020304" pitchFamily="18" charset="0"/>
+              </a:rPr>
             </a:br>
-            <a:endParaRPr lang="en-AU" dirty="0"/>
+            <a:br>
+              <a:rPr lang="es-ES" sz="2700" b="0" dirty="0">
+                <a:latin typeface="Times New Roman" panose="02020603050405020304" pitchFamily="18" charset="0"/>
+                <a:cs typeface="Times New Roman" panose="02020603050405020304" pitchFamily="18" charset="0"/>
+              </a:rPr>
+            </a:br>
+            <a:r>
+              <a:rPr lang="es-ES" sz="2700" b="0" dirty="0">
+                <a:latin typeface="Times New Roman" panose="02020603050405020304" pitchFamily="18" charset="0"/>
+                <a:cs typeface="Times New Roman" panose="02020603050405020304" pitchFamily="18" charset="0"/>
+              </a:rPr>
+              <a:t> información y recursos necesarios sobre el tratamiento de la</a:t>
+            </a:r>
+            <a:br>
+              <a:rPr lang="es-ES" sz="2700" b="0" dirty="0">
+                <a:latin typeface="Times New Roman" panose="02020603050405020304" pitchFamily="18" charset="0"/>
+                <a:cs typeface="Times New Roman" panose="02020603050405020304" pitchFamily="18" charset="0"/>
+              </a:rPr>
+            </a:br>
+            <a:br>
+              <a:rPr lang="es-ES" sz="2700" b="0" dirty="0">
+                <a:latin typeface="Times New Roman" panose="02020603050405020304" pitchFamily="18" charset="0"/>
+                <a:cs typeface="Times New Roman" panose="02020603050405020304" pitchFamily="18" charset="0"/>
+              </a:rPr>
+            </a:br>
+            <a:r>
+              <a:rPr lang="es-ES" sz="2700" b="0" dirty="0">
+                <a:latin typeface="Times New Roman" panose="02020603050405020304" pitchFamily="18" charset="0"/>
+                <a:cs typeface="Times New Roman" panose="02020603050405020304" pitchFamily="18" charset="0"/>
+              </a:rPr>
+              <a:t> lepra. Aquí podrás encontrar detalles sobre los servicios</a:t>
+            </a:r>
+            <a:br>
+              <a:rPr lang="es-ES" sz="2700" b="0" dirty="0">
+                <a:latin typeface="Times New Roman" panose="02020603050405020304" pitchFamily="18" charset="0"/>
+                <a:cs typeface="Times New Roman" panose="02020603050405020304" pitchFamily="18" charset="0"/>
+              </a:rPr>
+            </a:br>
+            <a:br>
+              <a:rPr lang="es-ES" sz="2700" b="0" dirty="0">
+                <a:latin typeface="Times New Roman" panose="02020603050405020304" pitchFamily="18" charset="0"/>
+                <a:cs typeface="Times New Roman" panose="02020603050405020304" pitchFamily="18" charset="0"/>
+              </a:rPr>
+            </a:br>
+            <a:r>
+              <a:rPr lang="es-ES" sz="2700" b="0" dirty="0">
+                <a:latin typeface="Times New Roman" panose="02020603050405020304" pitchFamily="18" charset="0"/>
+                <a:cs typeface="Times New Roman" panose="02020603050405020304" pitchFamily="18" charset="0"/>
+              </a:rPr>
+              <a:t> médicos que ofrecemos, los tratamientos más efectivos y</a:t>
+            </a:r>
+            <a:br>
+              <a:rPr lang="es-ES" sz="2700" b="0" dirty="0">
+                <a:latin typeface="Times New Roman" panose="02020603050405020304" pitchFamily="18" charset="0"/>
+                <a:cs typeface="Times New Roman" panose="02020603050405020304" pitchFamily="18" charset="0"/>
+              </a:rPr>
+            </a:br>
+            <a:br>
+              <a:rPr lang="es-ES" sz="2700" b="0" dirty="0">
+                <a:latin typeface="Times New Roman" panose="02020603050405020304" pitchFamily="18" charset="0"/>
+                <a:cs typeface="Times New Roman" panose="02020603050405020304" pitchFamily="18" charset="0"/>
+              </a:rPr>
+            </a:br>
+            <a:r>
+              <a:rPr lang="es-ES" sz="2700" b="0" dirty="0">
+                <a:latin typeface="Times New Roman" panose="02020603050405020304" pitchFamily="18" charset="0"/>
+                <a:cs typeface="Times New Roman" panose="02020603050405020304" pitchFamily="18" charset="0"/>
+              </a:rPr>
+              <a:t> actualizados, así como información educativa que te ayudará a</a:t>
+            </a:r>
+            <a:br>
+              <a:rPr lang="es-ES" sz="2700" b="0" dirty="0">
+                <a:latin typeface="Times New Roman" panose="02020603050405020304" pitchFamily="18" charset="0"/>
+                <a:cs typeface="Times New Roman" panose="02020603050405020304" pitchFamily="18" charset="0"/>
+              </a:rPr>
+            </a:br>
+            <a:br>
+              <a:rPr lang="es-ES" sz="2700" b="0" dirty="0">
+                <a:latin typeface="Times New Roman" panose="02020603050405020304" pitchFamily="18" charset="0"/>
+                <a:cs typeface="Times New Roman" panose="02020603050405020304" pitchFamily="18" charset="0"/>
+              </a:rPr>
+            </a:br>
+            <a:r>
+              <a:rPr lang="es-ES" sz="2700" b="0" dirty="0">
+                <a:latin typeface="Times New Roman" panose="02020603050405020304" pitchFamily="18" charset="0"/>
+                <a:cs typeface="Times New Roman" panose="02020603050405020304" pitchFamily="18" charset="0"/>
+              </a:rPr>
+              <a:t> entender mejor esta enfermedad y cómo abordarla.</a:t>
+            </a:r>
+            <a:br>
+              <a:rPr lang="es-ES" dirty="0">
+                <a:latin typeface="Times New Roman" panose="02020603050405020304" pitchFamily="18" charset="0"/>
+                <a:cs typeface="Times New Roman" panose="02020603050405020304" pitchFamily="18" charset="0"/>
+              </a:rPr>
+            </a:br>
+            <a:endParaRPr lang="en-AU" dirty="0">
+              <a:latin typeface="Times New Roman" panose="02020603050405020304" pitchFamily="18" charset="0"/>
+              <a:cs typeface="Times New Roman" panose="02020603050405020304" pitchFamily="18" charset="0"/>
+            </a:endParaRPr>
           </a:p>
         </p:txBody>
       </p:sp>
@@ -14570,7 +14903,7 @@
             <a:fld id="{47FEACEE-25B4-4A2D-B147-27296E36371D}" type="slidenum">
               <a:rPr lang="en-US" altLang="zh-CN" noProof="0" smtClean="0"/>
               <a:pPr/>
-              <a:t>11</a:t>
+              <a:t>12</a:t>
             </a:fld>
             <a:endParaRPr lang="en-US" altLang="zh-CN" noProof="0" dirty="0"/>
           </a:p>
@@ -14589,7 +14922,7 @@
 </p:sld>
 </file>
 
-<file path=ppt/slides/slide12.xml><?xml version="1.0" encoding="utf-8"?>
+<file path=ppt/slides/slide13.xml><?xml version="1.0" encoding="utf-8"?>
 <p:sld xmlns:a="http://schemas.openxmlformats.org/drawingml/2006/main" xmlns:r="http://schemas.openxmlformats.org/officeDocument/2006/relationships" xmlns:p="http://schemas.openxmlformats.org/presentationml/2006/main">
   <p:cSld>
     <p:spTree>
@@ -14775,7 +15108,7 @@
         </p:spPr>
         <p:txBody>
           <a:bodyPr anchor="t" anchorCtr="0">
-            <a:normAutofit fontScale="85000" lnSpcReduction="20000"/>
+            <a:normAutofit fontScale="70000" lnSpcReduction="20000"/>
           </a:bodyPr>
           <a:lstStyle/>
           <a:p>
@@ -14906,6 +15239,24 @@
             <a:r>
               <a:rPr lang="en-US" dirty="0" err="1"/>
               <a:t>gantt</a:t>
+            </a:r>
+            <a:endParaRPr lang="en-US" dirty="0"/>
+          </a:p>
+          <a:p>
+            <a:pPr marL="0" indent="0">
+              <a:buNone/>
+            </a:pPr>
+            <a:r>
+              <a:rPr lang="en-US" dirty="0" err="1"/>
+              <a:t>Tecnologias</a:t>
+            </a:r>
+            <a:r>
+              <a:rPr lang="en-US" dirty="0"/>
+              <a:t> y </a:t>
+            </a:r>
+            <a:r>
+              <a:rPr lang="en-US" dirty="0" err="1"/>
+              <a:t>herramientas</a:t>
             </a:r>
             <a:endParaRPr lang="en-US" dirty="0"/>
           </a:p>
@@ -16262,12 +16613,12 @@
         <p:spPr>
           <a:xfrm>
             <a:off x="278518" y="2236898"/>
-            <a:ext cx="10915651" cy="2651760"/>
+            <a:ext cx="10915651" cy="3782902"/>
           </a:xfrm>
         </p:spPr>
         <p:txBody>
           <a:bodyPr>
-            <a:normAutofit fontScale="25000" lnSpcReduction="20000"/>
+            <a:normAutofit fontScale="32500" lnSpcReduction="20000"/>
           </a:bodyPr>
           <a:lstStyle/>
           <a:p>
@@ -16334,30 +16685,12 @@
             </a:pPr>
             <a:r>
               <a:rPr lang="es-ES" sz="7200" kern="100" dirty="0">
-                <a:effectLst/>
                 <a:latin typeface="Times New Roman" panose="02020603050405020304" pitchFamily="18" charset="0"/>
                 <a:ea typeface="Calibri" panose="020F0502020204030204" pitchFamily="34" charset="0"/>
                 <a:cs typeface="Times New Roman" panose="02020603050405020304" pitchFamily="18" charset="0"/>
               </a:rPr>
-              <a:t>3. Integrar herramientas de análisis de datos en la plataforma para identificar tendencias y áreas con alta incidencia de casos.</a:t>
+              <a:t>3</a:t>
             </a:r>
-            <a:endParaRPr lang="en-AU" sz="7200" kern="100" dirty="0">
-              <a:effectLst/>
-              <a:latin typeface="Times New Roman" panose="02020603050405020304" pitchFamily="18" charset="0"/>
-              <a:ea typeface="Calibri" panose="020F0502020204030204" pitchFamily="34" charset="0"/>
-              <a:cs typeface="Times New Roman" panose="02020603050405020304" pitchFamily="18" charset="0"/>
-            </a:endParaRPr>
-          </a:p>
-          <a:p>
-            <a:pPr>
-              <a:lnSpc>
-                <a:spcPct val="107000"/>
-              </a:lnSpc>
-              <a:spcAft>
-                <a:spcPts val="800"/>
-              </a:spcAft>
-              <a:buNone/>
-            </a:pPr>
             <a:r>
               <a:rPr lang="es-ES" sz="7200" kern="100" dirty="0">
                 <a:effectLst/>
@@ -16365,7 +16698,7 @@
                 <a:ea typeface="Calibri" panose="020F0502020204030204" pitchFamily="34" charset="0"/>
                 <a:cs typeface="Times New Roman" panose="02020603050405020304" pitchFamily="18" charset="0"/>
               </a:rPr>
-              <a:t>4. Crear un sistema de notificaciones automatizadas que informe al personal sanitario sobre nuevos casos o seguimiento de pacientes.</a:t>
+              <a:t>. Crear un sistema de notificaciones donde los pacientes podrán compartir sus experiencias.</a:t>
             </a:r>
             <a:endParaRPr lang="en-AU" sz="7200" kern="100" dirty="0">
               <a:effectLst/>
@@ -16385,12 +16718,20 @@
             </a:pPr>
             <a:r>
               <a:rPr lang="es-ES" sz="7200" kern="100" dirty="0">
+                <a:latin typeface="Times New Roman" panose="02020603050405020304" pitchFamily="18" charset="0"/>
+                <a:ea typeface="Calibri" panose="020F0502020204030204" pitchFamily="34" charset="0"/>
+                <a:cs typeface="Times New Roman" panose="02020603050405020304" pitchFamily="18" charset="0"/>
+              </a:rPr>
+              <a:t>4</a:t>
+            </a:r>
+            <a:r>
+              <a:rPr lang="es-ES" sz="7200" kern="100" dirty="0">
                 <a:effectLst/>
                 <a:latin typeface="Times New Roman" panose="02020603050405020304" pitchFamily="18" charset="0"/>
                 <a:ea typeface="Calibri" panose="020F0502020204030204" pitchFamily="34" charset="0"/>
                 <a:cs typeface="Times New Roman" panose="02020603050405020304" pitchFamily="18" charset="0"/>
               </a:rPr>
-              <a:t>5. Establecer un apartado educativo interactivo en la plataforma, con contenido para la comunidad sobre prevención y síntomas de la lepra.</a:t>
+              <a:t>. Establecer un apartado educativo interactivo en la plataforma, con contenido para la comunidad sobre prevención y síntomas de la lepra.</a:t>
             </a:r>
             <a:endParaRPr lang="en-AU" sz="7200" kern="100" dirty="0">
               <a:effectLst/>
@@ -16716,8 +17057,8 @@
         </p:blipFill>
         <p:spPr bwMode="auto">
           <a:xfrm>
-            <a:off x="914400" y="1666875"/>
-            <a:ext cx="6019800" cy="4651375"/>
+            <a:off x="914399" y="1666875"/>
+            <a:ext cx="6086475" cy="4651375"/>
           </a:xfrm>
           <a:prstGeom prst="rect">
             <a:avLst/>
@@ -17558,15 +17899,6 @@
 </file>
 
 <file path=customXml/item1.xml><?xml version="1.0" encoding="utf-8"?>
-<?mso-contentType ?>
-<FormTemplates xmlns="http://schemas.microsoft.com/sharepoint/v3/contenttype/forms">
-  <Display>DocumentLibraryForm</Display>
-  <Edit>DocumentLibraryForm</Edit>
-  <New>DocumentLibraryForm</New>
-</FormTemplates>
-</file>
-
-<file path=customXml/item2.xml><?xml version="1.0" encoding="utf-8"?>
 <ct:contentTypeSchema xmlns:ct="http://schemas.microsoft.com/office/2006/metadata/contentType" xmlns:ma="http://schemas.microsoft.com/office/2006/metadata/properties/metaAttributes" ct:_="" ma:_="" ma:contentTypeName="Document" ma:contentTypeID="0x01010079F111ED35F8CC479449609E8A0923A6" ma:contentTypeVersion="30" ma:contentTypeDescription="Create a new document." ma:contentTypeScope="" ma:versionID="cec0622158e8f13124e9e8fd4de31bd1">
   <xsd:schema xmlns:xsd="http://www.w3.org/2001/XMLSchema" xmlns:xs="http://www.w3.org/2001/XMLSchema" xmlns:p="http://schemas.microsoft.com/office/2006/metadata/properties" xmlns:ns1="http://schemas.microsoft.com/sharepoint/v3" xmlns:ns2="71af3243-3dd4-4a8d-8c0d-dd76da1f02a5" xmlns:ns3="16c05727-aa75-4e4a-9b5f-8a80a1165891" xmlns:ns4="230e9df3-be65-4c73-a93b-d1236ebd677e" targetNamespace="http://schemas.microsoft.com/office/2006/metadata/properties" ma:root="true" ma:fieldsID="3b52f30ab005d15df08657af532e6e38" ns1:_="" ns2:_="" ns3:_="" ns4:_="">
     <xsd:import namespace="http://schemas.microsoft.com/sharepoint/v3"/>
@@ -17884,7 +18216,7 @@
 </ct:contentTypeSchema>
 </file>
 
-<file path=customXml/item3.xml><?xml version="1.0" encoding="utf-8"?>
+<file path=customXml/item2.xml><?xml version="1.0" encoding="utf-8"?>
 <p:properties xmlns:p="http://schemas.microsoft.com/office/2006/metadata/properties" xmlns:xsi="http://www.w3.org/2001/XMLSchema-instance" xmlns:pc="http://schemas.microsoft.com/office/infopath/2007/PartnerControls">
   <documentManagement>
     <_ip_UnifiedCompliancePolicyUIAction xmlns="http://schemas.microsoft.com/sharepoint/v3" xsi:nil="true"/>
@@ -17904,15 +18236,16 @@
 </p:properties>
 </file>
 
-<file path=customXml/itemProps1.xml><?xml version="1.0" encoding="utf-8"?>
-<ds:datastoreItem xmlns:ds="http://schemas.openxmlformats.org/officeDocument/2006/customXml" ds:itemID="{B0009351-EDD4-484E-ACD6-D50CCB137637}">
-  <ds:schemaRefs>
-    <ds:schemaRef ds:uri="http://schemas.microsoft.com/sharepoint/v3/contenttype/forms"/>
-  </ds:schemaRefs>
-</ds:datastoreItem>
+<file path=customXml/item3.xml><?xml version="1.0" encoding="utf-8"?>
+<?mso-contentType ?>
+<FormTemplates xmlns="http://schemas.microsoft.com/sharepoint/v3/contenttype/forms">
+  <Display>DocumentLibraryForm</Display>
+  <Edit>DocumentLibraryForm</Edit>
+  <New>DocumentLibraryForm</New>
+</FormTemplates>
 </file>
 
-<file path=customXml/itemProps2.xml><?xml version="1.0" encoding="utf-8"?>
+<file path=customXml/itemProps1.xml><?xml version="1.0" encoding="utf-8"?>
 <ds:datastoreItem xmlns:ds="http://schemas.openxmlformats.org/officeDocument/2006/customXml" ds:itemID="{79897CAE-455D-42C9-A951-0C21BC122543}">
   <ds:schemaRefs>
     <ds:schemaRef ds:uri="http://schemas.microsoft.com/office/2006/metadata/contentType"/>
@@ -17933,7 +18266,7 @@
 </ds:datastoreItem>
 </file>
 
-<file path=customXml/itemProps3.xml><?xml version="1.0" encoding="utf-8"?>
+<file path=customXml/itemProps2.xml><?xml version="1.0" encoding="utf-8"?>
 <ds:datastoreItem xmlns:ds="http://schemas.openxmlformats.org/officeDocument/2006/customXml" ds:itemID="{C8DB3C62-858A-4A01-AFEF-21E0BB8CE262}">
   <ds:schemaRefs>
     <ds:schemaRef ds:uri="http://schemas.microsoft.com/office/2006/metadata/properties"/>
@@ -17945,6 +18278,14 @@
 </ds:datastoreItem>
 </file>
 
+<file path=customXml/itemProps3.xml><?xml version="1.0" encoding="utf-8"?>
+<ds:datastoreItem xmlns:ds="http://schemas.openxmlformats.org/officeDocument/2006/customXml" ds:itemID="{B0009351-EDD4-484E-ACD6-D50CCB137637}">
+  <ds:schemaRefs>
+    <ds:schemaRef ds:uri="http://schemas.microsoft.com/sharepoint/v3/contenttype/forms"/>
+  </ds:schemaRefs>
+</ds:datastoreItem>
+</file>
+
 <file path=docMetadata/LabelInfo.xml><?xml version="1.0" encoding="utf-8"?>
 <clbl:labelList xmlns:clbl="http://schemas.microsoft.com/office/2020/mipLabelMetadata"/>
 </file>